--- a/power_of_proteomes.pptx
+++ b/power_of_proteomes.pptx
@@ -7057,7 +7057,7 @@
           <a:p>
             <a:r>
               <a:rPr lang="en-US" dirty="0"/>
-              <a:t>Other proteins also seemed inconsistent across samples</a:t>
+              <a:t>Other proteins also had variable abundances across samples</a:t>
             </a:r>
           </a:p>
           <a:p>
